--- a/section2 project.pptx
+++ b/section2 project.pptx
@@ -303,7 +303,7 @@
                 </a:solidFill>
               </a:rPr>
               <a:pPr/>
-              <a:t>2023-02-08</a:t>
+              <a:t>2023-02-13</a:t>
             </a:fld>
             <a:endParaRPr lang="ko-KR" altLang="en-US" dirty="0">
               <a:solidFill>
@@ -533,7 +533,7 @@
                 </a:solidFill>
               </a:rPr>
               <a:pPr/>
-              <a:t>2023-02-08</a:t>
+              <a:t>2023-02-13</a:t>
             </a:fld>
             <a:endParaRPr lang="ko-KR" altLang="en-US" dirty="0">
               <a:solidFill>
@@ -773,7 +773,7 @@
                 </a:solidFill>
               </a:rPr>
               <a:pPr/>
-              <a:t>2023-02-08</a:t>
+              <a:t>2023-02-13</a:t>
             </a:fld>
             <a:endParaRPr lang="ko-KR" altLang="en-US" dirty="0">
               <a:solidFill>
@@ -1003,7 +1003,7 @@
                 </a:solidFill>
               </a:rPr>
               <a:pPr/>
-              <a:t>2023-02-08</a:t>
+              <a:t>2023-02-13</a:t>
             </a:fld>
             <a:endParaRPr lang="ko-KR" altLang="en-US" dirty="0">
               <a:solidFill>
@@ -1310,7 +1310,7 @@
                 </a:solidFill>
               </a:rPr>
               <a:pPr/>
-              <a:t>2023-02-08</a:t>
+              <a:t>2023-02-13</a:t>
             </a:fld>
             <a:endParaRPr lang="ko-KR" altLang="en-US" dirty="0">
               <a:solidFill>
@@ -1607,7 +1607,7 @@
                 </a:solidFill>
               </a:rPr>
               <a:pPr/>
-              <a:t>2023-02-08</a:t>
+              <a:t>2023-02-13</a:t>
             </a:fld>
             <a:endParaRPr lang="ko-KR" altLang="en-US" dirty="0">
               <a:solidFill>
@@ -2051,7 +2051,7 @@
                 </a:solidFill>
               </a:rPr>
               <a:pPr/>
-              <a:t>2023-02-08</a:t>
+              <a:t>2023-02-13</a:t>
             </a:fld>
             <a:endParaRPr lang="ko-KR" altLang="en-US" dirty="0">
               <a:solidFill>
@@ -2224,7 +2224,7 @@
                 </a:solidFill>
               </a:rPr>
               <a:pPr/>
-              <a:t>2023-02-08</a:t>
+              <a:t>2023-02-13</a:t>
             </a:fld>
             <a:endParaRPr lang="ko-KR" altLang="en-US" dirty="0">
               <a:solidFill>
@@ -2369,7 +2369,7 @@
                 </a:solidFill>
               </a:rPr>
               <a:pPr/>
-              <a:t>2023-02-08</a:t>
+              <a:t>2023-02-13</a:t>
             </a:fld>
             <a:endParaRPr lang="ko-KR" altLang="en-US" dirty="0">
               <a:solidFill>
@@ -2712,7 +2712,7 @@
                 </a:solidFill>
               </a:rPr>
               <a:pPr/>
-              <a:t>2023-02-08</a:t>
+              <a:t>2023-02-13</a:t>
             </a:fld>
             <a:endParaRPr lang="ko-KR" altLang="en-US" dirty="0">
               <a:solidFill>
@@ -3032,7 +3032,7 @@
                 </a:solidFill>
               </a:rPr>
               <a:pPr/>
-              <a:t>2023-02-08</a:t>
+              <a:t>2023-02-13</a:t>
             </a:fld>
             <a:endParaRPr lang="ko-KR" altLang="en-US" dirty="0">
               <a:solidFill>
@@ -3305,7 +3305,7 @@
                 </a:solidFill>
               </a:rPr>
               <a:pPr/>
-              <a:t>2023-02-08</a:t>
+              <a:t>2023-02-13</a:t>
             </a:fld>
             <a:endParaRPr lang="ko-KR" altLang="en-US" dirty="0">
               <a:solidFill>
@@ -15487,8 +15487,8 @@
         </p:nvSpPr>
         <p:spPr>
           <a:xfrm>
-            <a:off x="3412257" y="6055360"/>
-            <a:ext cx="1003321" cy="310466"/>
+            <a:off x="3740664" y="6055360"/>
+            <a:ext cx="674914" cy="310466"/>
           </a:xfrm>
           <a:prstGeom prst="rect">
             <a:avLst/>
@@ -15676,26 +15676,6 @@
               </a:lnSpc>
               <a:defRPr/>
             </a:pPr>
-            <a:r>
-              <a:rPr lang="ko-KR" altLang="en-US" dirty="0" err="1">
-                <a:solidFill>
-                  <a:srgbClr val="44546A"/>
-                </a:solidFill>
-                <a:latin typeface="AppleSDGothicNeoM00" panose="02000503000000000000" pitchFamily="2" charset="-127"/>
-                <a:ea typeface="AppleSDGothicNeoM00" panose="02000503000000000000" pitchFamily="2" charset="-127"/>
-              </a:rPr>
-              <a:t>예측정확도와</a:t>
-            </a:r>
-            <a:r>
-              <a:rPr lang="ko-KR" altLang="en-US" dirty="0">
-                <a:solidFill>
-                  <a:srgbClr val="44546A"/>
-                </a:solidFill>
-                <a:latin typeface="AppleSDGothicNeoM00" panose="02000503000000000000" pitchFamily="2" charset="-127"/>
-                <a:ea typeface="AppleSDGothicNeoM00" panose="02000503000000000000" pitchFamily="2" charset="-127"/>
-              </a:rPr>
-              <a:t> 정밀도를 고려해 </a:t>
-            </a:r>
             <a:r>
               <a:rPr lang="en-US" altLang="ko-KR" dirty="0" err="1">
                 <a:solidFill>
